--- a/Smartphone Sales presentation.pptx
+++ b/Smartphone Sales presentation.pptx
@@ -318,7 +318,7 @@
           <a:p>
             <a:fld id="{2B2929D7-55BA-4893-A941-8E50AAE70AEA}" type="datetimeFigureOut">
               <a:rPr lang="en-US" smtClean="0"/>
-              <a:t>3/19/2024</a:t>
+              <a:t>2/18/2025</a:t>
             </a:fld>
             <a:endParaRPr lang="en-US"/>
           </a:p>
@@ -593,7 +593,7 @@
           <a:p>
             <a:fld id="{2B2929D7-55BA-4893-A941-8E50AAE70AEA}" type="datetimeFigureOut">
               <a:rPr lang="en-US" smtClean="0"/>
-              <a:t>3/19/2024</a:t>
+              <a:t>2/18/2025</a:t>
             </a:fld>
             <a:endParaRPr lang="en-US"/>
           </a:p>
@@ -787,7 +787,7 @@
           <a:p>
             <a:fld id="{2B2929D7-55BA-4893-A941-8E50AAE70AEA}" type="datetimeFigureOut">
               <a:rPr lang="en-US" smtClean="0"/>
-              <a:t>3/19/2024</a:t>
+              <a:t>2/18/2025</a:t>
             </a:fld>
             <a:endParaRPr lang="en-US"/>
           </a:p>
@@ -1060,7 +1060,7 @@
           <a:p>
             <a:fld id="{2B2929D7-55BA-4893-A941-8E50AAE70AEA}" type="datetimeFigureOut">
               <a:rPr lang="en-US" smtClean="0"/>
-              <a:t>3/19/2024</a:t>
+              <a:t>2/18/2025</a:t>
             </a:fld>
             <a:endParaRPr lang="en-US"/>
           </a:p>
@@ -1401,7 +1401,7 @@
           <a:p>
             <a:fld id="{2B2929D7-55BA-4893-A941-8E50AAE70AEA}" type="datetimeFigureOut">
               <a:rPr lang="en-US" smtClean="0"/>
-              <a:t>3/19/2024</a:t>
+              <a:t>2/18/2025</a:t>
             </a:fld>
             <a:endParaRPr lang="en-US"/>
           </a:p>
@@ -2024,7 +2024,7 @@
           <a:p>
             <a:fld id="{2B2929D7-55BA-4893-A941-8E50AAE70AEA}" type="datetimeFigureOut">
               <a:rPr lang="en-US" smtClean="0"/>
-              <a:t>3/19/2024</a:t>
+              <a:t>2/18/2025</a:t>
             </a:fld>
             <a:endParaRPr lang="en-US"/>
           </a:p>
@@ -2884,7 +2884,7 @@
           <a:p>
             <a:fld id="{2B2929D7-55BA-4893-A941-8E50AAE70AEA}" type="datetimeFigureOut">
               <a:rPr lang="en-US" smtClean="0"/>
-              <a:t>3/19/2024</a:t>
+              <a:t>2/18/2025</a:t>
             </a:fld>
             <a:endParaRPr lang="en-US"/>
           </a:p>
@@ -3054,7 +3054,7 @@
           <a:p>
             <a:fld id="{2B2929D7-55BA-4893-A941-8E50AAE70AEA}" type="datetimeFigureOut">
               <a:rPr lang="en-US" smtClean="0"/>
-              <a:t>3/19/2024</a:t>
+              <a:t>2/18/2025</a:t>
             </a:fld>
             <a:endParaRPr lang="en-US"/>
           </a:p>
@@ -3234,7 +3234,7 @@
           <a:p>
             <a:fld id="{2B2929D7-55BA-4893-A941-8E50AAE70AEA}" type="datetimeFigureOut">
               <a:rPr lang="en-US" smtClean="0"/>
-              <a:t>3/19/2024</a:t>
+              <a:t>2/18/2025</a:t>
             </a:fld>
             <a:endParaRPr lang="en-US"/>
           </a:p>
@@ -3404,7 +3404,7 @@
           <a:p>
             <a:fld id="{2B2929D7-55BA-4893-A941-8E50AAE70AEA}" type="datetimeFigureOut">
               <a:rPr lang="en-US" smtClean="0"/>
-              <a:t>3/19/2024</a:t>
+              <a:t>2/18/2025</a:t>
             </a:fld>
             <a:endParaRPr lang="en-US"/>
           </a:p>
@@ -3651,7 +3651,7 @@
           <a:p>
             <a:fld id="{2B2929D7-55BA-4893-A941-8E50AAE70AEA}" type="datetimeFigureOut">
               <a:rPr lang="en-US" smtClean="0"/>
-              <a:t>3/19/2024</a:t>
+              <a:t>2/18/2025</a:t>
             </a:fld>
             <a:endParaRPr lang="en-US"/>
           </a:p>
@@ -3943,7 +3943,7 @@
           <a:p>
             <a:fld id="{2B2929D7-55BA-4893-A941-8E50AAE70AEA}" type="datetimeFigureOut">
               <a:rPr lang="en-US" smtClean="0"/>
-              <a:t>3/19/2024</a:t>
+              <a:t>2/18/2025</a:t>
             </a:fld>
             <a:endParaRPr lang="en-US"/>
           </a:p>
@@ -4387,7 +4387,7 @@
           <a:p>
             <a:fld id="{2B2929D7-55BA-4893-A941-8E50AAE70AEA}" type="datetimeFigureOut">
               <a:rPr lang="en-US" smtClean="0"/>
-              <a:t>3/19/2024</a:t>
+              <a:t>2/18/2025</a:t>
             </a:fld>
             <a:endParaRPr lang="en-US"/>
           </a:p>
@@ -4505,7 +4505,7 @@
           <a:p>
             <a:fld id="{2B2929D7-55BA-4893-A941-8E50AAE70AEA}" type="datetimeFigureOut">
               <a:rPr lang="en-US" smtClean="0"/>
-              <a:t>3/19/2024</a:t>
+              <a:t>2/18/2025</a:t>
             </a:fld>
             <a:endParaRPr lang="en-US"/>
           </a:p>
@@ -4600,7 +4600,7 @@
           <a:p>
             <a:fld id="{2B2929D7-55BA-4893-A941-8E50AAE70AEA}" type="datetimeFigureOut">
               <a:rPr lang="en-US" smtClean="0"/>
-              <a:t>3/19/2024</a:t>
+              <a:t>2/18/2025</a:t>
             </a:fld>
             <a:endParaRPr lang="en-US"/>
           </a:p>
@@ -4879,7 +4879,7 @@
           <a:p>
             <a:fld id="{2B2929D7-55BA-4893-A941-8E50AAE70AEA}" type="datetimeFigureOut">
               <a:rPr lang="en-US" smtClean="0"/>
-              <a:t>3/19/2024</a:t>
+              <a:t>2/18/2025</a:t>
             </a:fld>
             <a:endParaRPr lang="en-US"/>
           </a:p>
@@ -5154,7 +5154,7 @@
           <a:p>
             <a:fld id="{2B2929D7-55BA-4893-A941-8E50AAE70AEA}" type="datetimeFigureOut">
               <a:rPr lang="en-US" smtClean="0"/>
-              <a:t>3/19/2024</a:t>
+              <a:t>2/18/2025</a:t>
             </a:fld>
             <a:endParaRPr lang="en-US"/>
           </a:p>
@@ -5583,7 +5583,7 @@
           <a:p>
             <a:fld id="{2B2929D7-55BA-4893-A941-8E50AAE70AEA}" type="datetimeFigureOut">
               <a:rPr lang="en-US" smtClean="0"/>
-              <a:t>3/19/2024</a:t>
+              <a:t>2/18/2025</a:t>
             </a:fld>
             <a:endParaRPr lang="en-US"/>
           </a:p>
@@ -6179,13 +6179,10 @@
           <a:bodyPr/>
           <a:lstStyle/>
           <a:p>
-            <a:r>
-              <a:rPr lang="en-US" dirty="0">
-                <a:latin typeface="Times New Roman" panose="02020603050405020304" pitchFamily="18" charset="0"/>
-                <a:cs typeface="Times New Roman" panose="02020603050405020304" pitchFamily="18" charset="0"/>
-              </a:rPr>
-              <a:t>Presentation By:</a:t>
-            </a:r>
+            <a:endParaRPr lang="en-US" dirty="0">
+              <a:latin typeface="Times New Roman" panose="02020603050405020304" pitchFamily="18" charset="0"/>
+              <a:cs typeface="Times New Roman" panose="02020603050405020304" pitchFamily="18" charset="0"/>
+            </a:endParaRPr>
           </a:p>
         </p:txBody>
       </p:sp>
